--- a/Fid'Lin Final Presentation.pptx
+++ b/Fid'Lin Final Presentation.pptx
@@ -11,7 +11,6 @@
     <p:sldId id="261" r:id="rId5"/>
     <p:sldId id="263" r:id="rId6"/>
     <p:sldId id="260" r:id="rId7"/>
-    <p:sldId id="262" r:id="rId8"/>
   </p:sldIdLst>
   <p:sldSz cx="12192000" cy="6858000"/>
   <p:notesSz cx="6858000" cy="9144000"/>
@@ -110,6 +109,11 @@
       </a:defRPr>
     </a:lvl9pPr>
   </p:defaultTextStyle>
+  <p:extLst>
+    <p:ext uri="{EFAFB233-063F-42B5-8137-9DF3F51BA10A}">
+      <p15:sldGuideLst xmlns:p15="http://schemas.microsoft.com/office/powerpoint/2012/main"/>
+    </p:ext>
+  </p:extLst>
 </p:presentation>
 </file>
 
@@ -276,7 +280,7 @@
           <a:p>
             <a:fld id="{3DADBAC8-561D-45E8-89D3-60BCC812CEC1}" type="datetimeFigureOut">
               <a:rPr lang="en-US" smtClean="0"/>
-              <a:t>4/9/2019</a:t>
+              <a:t>4/15/2019</a:t>
             </a:fld>
             <a:endParaRPr lang="en-US"/>
           </a:p>
@@ -446,7 +450,7 @@
           <a:p>
             <a:fld id="{3DADBAC8-561D-45E8-89D3-60BCC812CEC1}" type="datetimeFigureOut">
               <a:rPr lang="en-US" smtClean="0"/>
-              <a:t>4/9/2019</a:t>
+              <a:t>4/15/2019</a:t>
             </a:fld>
             <a:endParaRPr lang="en-US"/>
           </a:p>
@@ -626,7 +630,7 @@
           <a:p>
             <a:fld id="{3DADBAC8-561D-45E8-89D3-60BCC812CEC1}" type="datetimeFigureOut">
               <a:rPr lang="en-US" smtClean="0"/>
-              <a:t>4/9/2019</a:t>
+              <a:t>4/15/2019</a:t>
             </a:fld>
             <a:endParaRPr lang="en-US"/>
           </a:p>
@@ -796,7 +800,7 @@
           <a:p>
             <a:fld id="{3DADBAC8-561D-45E8-89D3-60BCC812CEC1}" type="datetimeFigureOut">
               <a:rPr lang="en-US" smtClean="0"/>
-              <a:t>4/9/2019</a:t>
+              <a:t>4/15/2019</a:t>
             </a:fld>
             <a:endParaRPr lang="en-US"/>
           </a:p>
@@ -1064,7 +1068,7 @@
           <a:p>
             <a:fld id="{3DADBAC8-561D-45E8-89D3-60BCC812CEC1}" type="datetimeFigureOut">
               <a:rPr lang="en-US" smtClean="0"/>
-              <a:t>4/9/2019</a:t>
+              <a:t>4/15/2019</a:t>
             </a:fld>
             <a:endParaRPr lang="en-US"/>
           </a:p>
@@ -1296,7 +1300,7 @@
           <a:p>
             <a:fld id="{3DADBAC8-561D-45E8-89D3-60BCC812CEC1}" type="datetimeFigureOut">
               <a:rPr lang="en-US" smtClean="0"/>
-              <a:t>4/9/2019</a:t>
+              <a:t>4/15/2019</a:t>
             </a:fld>
             <a:endParaRPr lang="en-US"/>
           </a:p>
@@ -1655,7 +1659,7 @@
           <a:p>
             <a:fld id="{3DADBAC8-561D-45E8-89D3-60BCC812CEC1}" type="datetimeFigureOut">
               <a:rPr lang="en-US" smtClean="0"/>
-              <a:t>4/9/2019</a:t>
+              <a:t>4/15/2019</a:t>
             </a:fld>
             <a:endParaRPr lang="en-US"/>
           </a:p>
@@ -1796,7 +1800,7 @@
           <a:p>
             <a:fld id="{3DADBAC8-561D-45E8-89D3-60BCC812CEC1}" type="datetimeFigureOut">
               <a:rPr lang="en-US" smtClean="0"/>
-              <a:t>4/9/2019</a:t>
+              <a:t>4/15/2019</a:t>
             </a:fld>
             <a:endParaRPr lang="en-US"/>
           </a:p>
@@ -1891,7 +1895,7 @@
           <a:p>
             <a:fld id="{3DADBAC8-561D-45E8-89D3-60BCC812CEC1}" type="datetimeFigureOut">
               <a:rPr lang="en-US" smtClean="0"/>
-              <a:t>4/9/2019</a:t>
+              <a:t>4/15/2019</a:t>
             </a:fld>
             <a:endParaRPr lang="en-US"/>
           </a:p>
@@ -2248,7 +2252,7 @@
           <a:p>
             <a:fld id="{3DADBAC8-561D-45E8-89D3-60BCC812CEC1}" type="datetimeFigureOut">
               <a:rPr lang="en-US" smtClean="0"/>
-              <a:t>4/9/2019</a:t>
+              <a:t>4/15/2019</a:t>
             </a:fld>
             <a:endParaRPr lang="en-US"/>
           </a:p>
@@ -2605,7 +2609,7 @@
           <a:p>
             <a:fld id="{3DADBAC8-561D-45E8-89D3-60BCC812CEC1}" type="datetimeFigureOut">
               <a:rPr lang="en-US" smtClean="0"/>
-              <a:t>4/9/2019</a:t>
+              <a:t>4/15/2019</a:t>
             </a:fld>
             <a:endParaRPr lang="en-US"/>
           </a:p>
@@ -2847,7 +2851,7 @@
           <a:p>
             <a:fld id="{3DADBAC8-561D-45E8-89D3-60BCC812CEC1}" type="datetimeFigureOut">
               <a:rPr lang="en-US" smtClean="0"/>
-              <a:t>4/9/2019</a:t>
+              <a:t>4/15/2019</a:t>
             </a:fld>
             <a:endParaRPr lang="en-US"/>
           </a:p>
@@ -3763,6 +3767,66 @@
               <a:buFont typeface="Arial" panose="020B0604020202020204" pitchFamily="34" charset="0"/>
               <a:buChar char="•"/>
             </a:pPr>
+            <a:r>
+              <a:rPr lang="en-US" dirty="0"/>
+              <a:t>Prioritized documentation more-so </a:t>
+            </a:r>
+          </a:p>
+          <a:p>
+            <a:pPr marL="342900" indent="-342900" algn="l">
+              <a:buClr>
+                <a:schemeClr val="accent6">
+                  <a:lumMod val="75000"/>
+                </a:schemeClr>
+              </a:buClr>
+              <a:buFont typeface="Arial" panose="020B0604020202020204" pitchFamily="34" charset="0"/>
+              <a:buChar char="•"/>
+            </a:pPr>
+            <a:r>
+              <a:rPr lang="en-US" dirty="0"/>
+              <a:t>Constant communication throughout the semester</a:t>
+            </a:r>
+          </a:p>
+          <a:p>
+            <a:pPr marL="342900" indent="-342900" algn="l">
+              <a:buClr>
+                <a:schemeClr val="accent6">
+                  <a:lumMod val="75000"/>
+                </a:schemeClr>
+              </a:buClr>
+              <a:buFont typeface="Arial" panose="020B0604020202020204" pitchFamily="34" charset="0"/>
+              <a:buChar char="•"/>
+            </a:pPr>
+            <a:r>
+              <a:rPr lang="en-US" dirty="0"/>
+              <a:t>Have a functional product</a:t>
+            </a:r>
+          </a:p>
+          <a:p>
+            <a:pPr marL="342900" indent="-342900" algn="l">
+              <a:buClr>
+                <a:schemeClr val="accent6">
+                  <a:lumMod val="75000"/>
+                </a:schemeClr>
+              </a:buClr>
+              <a:buFont typeface="Arial" panose="020B0604020202020204" pitchFamily="34" charset="0"/>
+              <a:buChar char="•"/>
+            </a:pPr>
+            <a:r>
+              <a:rPr lang="en-US" dirty="0"/>
+              <a:t>Didn’t get (too) behind</a:t>
+            </a:r>
+          </a:p>
+          <a:p>
+            <a:pPr marL="342900" indent="-342900" algn="l">
+              <a:buClr>
+                <a:schemeClr val="accent6">
+                  <a:lumMod val="75000"/>
+                </a:schemeClr>
+              </a:buClr>
+              <a:buFont typeface="Arial" panose="020B0604020202020204" pitchFamily="34" charset="0"/>
+              <a:buChar char="•"/>
+            </a:pPr>
             <a:endParaRPr lang="en-US" dirty="0"/>
           </a:p>
         </p:txBody>
@@ -3832,7 +3896,7 @@
             </a:br>
             <a:r>
               <a:rPr lang="en-US" dirty="0"/>
-              <a:t>done better</a:t>
+              <a:t>done better as a team</a:t>
             </a:r>
           </a:p>
         </p:txBody>
@@ -3864,6 +3928,66 @@
             <a:normAutofit/>
           </a:bodyPr>
           <a:lstStyle/>
+          <a:p>
+            <a:pPr marL="342900" indent="-342900" algn="l">
+              <a:buClr>
+                <a:schemeClr val="accent6">
+                  <a:lumMod val="75000"/>
+                </a:schemeClr>
+              </a:buClr>
+              <a:buFont typeface="Arial" panose="020B0604020202020204" pitchFamily="34" charset="0"/>
+              <a:buChar char="•"/>
+            </a:pPr>
+            <a:r>
+              <a:rPr lang="en-US" dirty="0"/>
+              <a:t>Should have gotten a lot more code completed during Sprint 2 than we did.</a:t>
+            </a:r>
+          </a:p>
+          <a:p>
+            <a:pPr marL="342900" indent="-342900" algn="l">
+              <a:buClr>
+                <a:schemeClr val="accent6">
+                  <a:lumMod val="75000"/>
+                </a:schemeClr>
+              </a:buClr>
+              <a:buFont typeface="Arial" panose="020B0604020202020204" pitchFamily="34" charset="0"/>
+              <a:buChar char="•"/>
+            </a:pPr>
+            <a:r>
+              <a:rPr lang="en-US" dirty="0"/>
+              <a:t>Better game plan to take care of all functional requirements</a:t>
+            </a:r>
+          </a:p>
+          <a:p>
+            <a:pPr marL="342900" indent="-342900" algn="l">
+              <a:buClr>
+                <a:schemeClr val="accent6">
+                  <a:lumMod val="75000"/>
+                </a:schemeClr>
+              </a:buClr>
+              <a:buFont typeface="Arial" panose="020B0604020202020204" pitchFamily="34" charset="0"/>
+              <a:buChar char="•"/>
+            </a:pPr>
+            <a:r>
+              <a:rPr lang="en-US" dirty="0"/>
+              <a:t>Making sure things aren’t getting completed last minute</a:t>
+            </a:r>
+          </a:p>
+          <a:p>
+            <a:pPr marL="342900" indent="-342900" algn="l">
+              <a:buClr>
+                <a:schemeClr val="accent6">
+                  <a:lumMod val="75000"/>
+                </a:schemeClr>
+              </a:buClr>
+              <a:buFont typeface="Arial" panose="020B0604020202020204" pitchFamily="34" charset="0"/>
+              <a:buChar char="•"/>
+            </a:pPr>
+            <a:r>
+              <a:rPr lang="en-US" dirty="0"/>
+              <a:t>Time management</a:t>
+            </a:r>
+          </a:p>
           <a:p>
             <a:pPr marL="342900" indent="-342900" algn="l">
               <a:buClr>
@@ -3978,102 +4102,11 @@
               <a:buFont typeface="Arial" panose="020B0604020202020204" pitchFamily="34" charset="0"/>
               <a:buChar char="•"/>
             </a:pPr>
-            <a:endParaRPr lang="en-US" dirty="0"/>
-          </a:p>
-        </p:txBody>
-      </p:sp>
-    </p:spTree>
-    <p:extLst>
-      <p:ext uri="{BB962C8B-B14F-4D97-AF65-F5344CB8AC3E}">
-        <p14:creationId xmlns:p14="http://schemas.microsoft.com/office/powerpoint/2010/main" val="2338349132"/>
-      </p:ext>
-    </p:extLst>
-  </p:cSld>
-  <p:clrMapOvr>
-    <a:masterClrMapping/>
-  </p:clrMapOvr>
-</p:sld>
-</file>
-
-<file path=ppt/slides/slide7.xml><?xml version="1.0" encoding="utf-8"?>
-<p:sld xmlns:a="http://schemas.openxmlformats.org/drawingml/2006/main" xmlns:r="http://schemas.openxmlformats.org/officeDocument/2006/relationships" xmlns:p="http://schemas.openxmlformats.org/presentationml/2006/main">
-  <p:cSld>
-    <p:spTree>
-      <p:nvGrpSpPr>
-        <p:cNvPr id="1" name=""/>
-        <p:cNvGrpSpPr/>
-        <p:nvPr/>
-      </p:nvGrpSpPr>
-      <p:grpSpPr>
-        <a:xfrm>
-          <a:off x="0" y="0"/>
-          <a:ext cx="0" cy="0"/>
-          <a:chOff x="0" y="0"/>
-          <a:chExt cx="0" cy="0"/>
-        </a:xfrm>
-      </p:grpSpPr>
-      <p:sp>
-        <p:nvSpPr>
-          <p:cNvPr id="2" name="Title 1">
-            <a:extLst>
-              <a:ext uri="{FF2B5EF4-FFF2-40B4-BE49-F238E27FC236}">
-                <a16:creationId xmlns:a16="http://schemas.microsoft.com/office/drawing/2014/main" id="{88C029FE-F040-47A3-AC9F-223C114C4FAD}"/>
-              </a:ext>
-            </a:extLst>
-          </p:cNvPr>
-          <p:cNvSpPr>
-            <a:spLocks noGrp="1"/>
-          </p:cNvSpPr>
-          <p:nvPr>
-            <p:ph type="ctrTitle"/>
-          </p:nvPr>
-        </p:nvSpPr>
-        <p:spPr>
-          <a:xfrm>
-            <a:off x="1689847" y="248662"/>
-            <a:ext cx="8991600" cy="1645920"/>
-          </a:xfrm>
-        </p:spPr>
-        <p:txBody>
-          <a:bodyPr>
-            <a:normAutofit fontScale="90000"/>
-          </a:bodyPr>
-          <a:lstStyle/>
-          <a:p>
             <a:r>
               <a:rPr lang="en-US" dirty="0"/>
-              <a:t>How we plan to apply what we’ve learned to the real world</a:t>
-            </a:r>
-          </a:p>
-        </p:txBody>
-      </p:sp>
-      <p:sp>
-        <p:nvSpPr>
-          <p:cNvPr id="3" name="Subtitle 2">
-            <a:extLst>
-              <a:ext uri="{FF2B5EF4-FFF2-40B4-BE49-F238E27FC236}">
-                <a16:creationId xmlns:a16="http://schemas.microsoft.com/office/drawing/2014/main" id="{06A92E13-9D8E-4BF0-AB5B-088378DBF9D6}"/>
-              </a:ext>
-            </a:extLst>
-          </p:cNvPr>
-          <p:cNvSpPr>
-            <a:spLocks noGrp="1"/>
-          </p:cNvSpPr>
-          <p:nvPr>
-            <p:ph type="subTitle" idx="1"/>
-          </p:nvPr>
-        </p:nvSpPr>
-        <p:spPr>
-          <a:xfrm>
-            <a:off x="1689847" y="2084295"/>
-            <a:ext cx="9027459" cy="3508144"/>
-          </a:xfrm>
-        </p:spPr>
-        <p:txBody>
-          <a:bodyPr>
-            <a:normAutofit/>
-          </a:bodyPr>
-          <a:lstStyle/>
+              <a:t>The more communication between the team, the better.</a:t>
+            </a:r>
+          </a:p>
           <a:p>
             <a:pPr marL="342900" indent="-342900" algn="l">
               <a:buClr>
@@ -4084,14 +4117,32 @@
               <a:buFont typeface="Arial" panose="020B0604020202020204" pitchFamily="34" charset="0"/>
               <a:buChar char="•"/>
             </a:pPr>
-            <a:endParaRPr lang="en-US" dirty="0"/>
+            <a:r>
+              <a:rPr lang="en-US" dirty="0"/>
+              <a:t>The earlier things get completed, the better.</a:t>
+            </a:r>
+          </a:p>
+          <a:p>
+            <a:pPr marL="342900" indent="-342900" algn="l">
+              <a:buClr>
+                <a:schemeClr val="accent6">
+                  <a:lumMod val="75000"/>
+                </a:schemeClr>
+              </a:buClr>
+              <a:buFont typeface="Arial" panose="020B0604020202020204" pitchFamily="34" charset="0"/>
+              <a:buChar char="•"/>
+            </a:pPr>
+            <a:r>
+              <a:rPr lang="en-US" dirty="0"/>
+              <a:t>Procrastination is not your friend.</a:t>
+            </a:r>
           </a:p>
         </p:txBody>
       </p:sp>
     </p:spTree>
     <p:extLst>
       <p:ext uri="{BB962C8B-B14F-4D97-AF65-F5344CB8AC3E}">
-        <p14:creationId xmlns:p14="http://schemas.microsoft.com/office/powerpoint/2010/main" val="223995150"/>
+        <p14:creationId xmlns:p14="http://schemas.microsoft.com/office/powerpoint/2010/main" val="2338349132"/>
       </p:ext>
     </p:extLst>
   </p:cSld>

--- a/Fid'Lin Final Presentation.pptx
+++ b/Fid'Lin Final Presentation.pptx
@@ -8,9 +8,15 @@
     <p:sldId id="256" r:id="rId2"/>
     <p:sldId id="258" r:id="rId3"/>
     <p:sldId id="259" r:id="rId4"/>
-    <p:sldId id="261" r:id="rId5"/>
-    <p:sldId id="263" r:id="rId6"/>
-    <p:sldId id="260" r:id="rId7"/>
+    <p:sldId id="264" r:id="rId5"/>
+    <p:sldId id="267" r:id="rId6"/>
+    <p:sldId id="265" r:id="rId7"/>
+    <p:sldId id="268" r:id="rId8"/>
+    <p:sldId id="266" r:id="rId9"/>
+    <p:sldId id="269" r:id="rId10"/>
+    <p:sldId id="261" r:id="rId11"/>
+    <p:sldId id="263" r:id="rId12"/>
+    <p:sldId id="260" r:id="rId13"/>
   </p:sldIdLst>
   <p:sldSz cx="12192000" cy="6858000"/>
   <p:notesSz cx="6858000" cy="9144000"/>
@@ -3407,6 +3413,510 @@
 </p:sld>
 </file>
 
+<file path=ppt/slides/slide10.xml><?xml version="1.0" encoding="utf-8"?>
+<p:sld xmlns:a="http://schemas.openxmlformats.org/drawingml/2006/main" xmlns:r="http://schemas.openxmlformats.org/officeDocument/2006/relationships" xmlns:p="http://schemas.openxmlformats.org/presentationml/2006/main">
+  <p:cSld>
+    <p:spTree>
+      <p:nvGrpSpPr>
+        <p:cNvPr id="1" name=""/>
+        <p:cNvGrpSpPr/>
+        <p:nvPr/>
+      </p:nvGrpSpPr>
+      <p:grpSpPr>
+        <a:xfrm>
+          <a:off x="0" y="0"/>
+          <a:ext cx="0" cy="0"/>
+          <a:chOff x="0" y="0"/>
+          <a:chExt cx="0" cy="0"/>
+        </a:xfrm>
+      </p:grpSpPr>
+      <p:sp>
+        <p:nvSpPr>
+          <p:cNvPr id="2" name="Title 1">
+            <a:extLst>
+              <a:ext uri="{FF2B5EF4-FFF2-40B4-BE49-F238E27FC236}">
+                <a16:creationId xmlns:a16="http://schemas.microsoft.com/office/drawing/2014/main" id="{88C029FE-F040-47A3-AC9F-223C114C4FAD}"/>
+              </a:ext>
+            </a:extLst>
+          </p:cNvPr>
+          <p:cNvSpPr>
+            <a:spLocks noGrp="1"/>
+          </p:cNvSpPr>
+          <p:nvPr>
+            <p:ph type="ctrTitle"/>
+          </p:nvPr>
+        </p:nvSpPr>
+        <p:spPr>
+          <a:xfrm>
+            <a:off x="1689847" y="248662"/>
+            <a:ext cx="8991600" cy="1645920"/>
+          </a:xfrm>
+        </p:spPr>
+        <p:txBody>
+          <a:bodyPr>
+            <a:normAutofit fontScale="90000"/>
+          </a:bodyPr>
+          <a:lstStyle/>
+          <a:p>
+            <a:r>
+              <a:rPr lang="en-US" dirty="0"/>
+              <a:t>Improvements from Last semester (Software engineering)</a:t>
+            </a:r>
+          </a:p>
+        </p:txBody>
+      </p:sp>
+      <p:sp>
+        <p:nvSpPr>
+          <p:cNvPr id="3" name="Subtitle 2">
+            <a:extLst>
+              <a:ext uri="{FF2B5EF4-FFF2-40B4-BE49-F238E27FC236}">
+                <a16:creationId xmlns:a16="http://schemas.microsoft.com/office/drawing/2014/main" id="{06A92E13-9D8E-4BF0-AB5B-088378DBF9D6}"/>
+              </a:ext>
+            </a:extLst>
+          </p:cNvPr>
+          <p:cNvSpPr>
+            <a:spLocks noGrp="1"/>
+          </p:cNvSpPr>
+          <p:nvPr>
+            <p:ph type="subTitle" idx="1"/>
+          </p:nvPr>
+        </p:nvSpPr>
+        <p:spPr>
+          <a:xfrm>
+            <a:off x="1689847" y="2084295"/>
+            <a:ext cx="9027459" cy="3508144"/>
+          </a:xfrm>
+        </p:spPr>
+        <p:txBody>
+          <a:bodyPr>
+            <a:normAutofit/>
+          </a:bodyPr>
+          <a:lstStyle/>
+          <a:p>
+            <a:pPr marL="342900" indent="-342900" algn="l">
+              <a:buClr>
+                <a:schemeClr val="accent6">
+                  <a:lumMod val="75000"/>
+                </a:schemeClr>
+              </a:buClr>
+              <a:buFont typeface="Arial" panose="020B0604020202020204" pitchFamily="34" charset="0"/>
+              <a:buChar char="•"/>
+            </a:pPr>
+            <a:r>
+              <a:rPr lang="en-US" dirty="0"/>
+              <a:t>Prioritized documentation more-so </a:t>
+            </a:r>
+          </a:p>
+          <a:p>
+            <a:pPr marL="342900" indent="-342900" algn="l">
+              <a:buClr>
+                <a:schemeClr val="accent6">
+                  <a:lumMod val="75000"/>
+                </a:schemeClr>
+              </a:buClr>
+              <a:buFont typeface="Arial" panose="020B0604020202020204" pitchFamily="34" charset="0"/>
+              <a:buChar char="•"/>
+            </a:pPr>
+            <a:r>
+              <a:rPr lang="en-US" dirty="0"/>
+              <a:t>Constant communication throughout the semester</a:t>
+            </a:r>
+          </a:p>
+          <a:p>
+            <a:pPr marL="800100" lvl="1" indent="-342900" algn="l">
+              <a:buClr>
+                <a:schemeClr val="accent6">
+                  <a:lumMod val="75000"/>
+                </a:schemeClr>
+              </a:buClr>
+              <a:buFont typeface="Arial" panose="020B0604020202020204" pitchFamily="34" charset="0"/>
+              <a:buChar char="•"/>
+            </a:pPr>
+            <a:r>
+              <a:rPr lang="en-US" dirty="0"/>
+              <a:t>Remote Desktop</a:t>
+            </a:r>
+          </a:p>
+          <a:p>
+            <a:pPr marL="800100" lvl="1" indent="-342900" algn="l">
+              <a:buClr>
+                <a:schemeClr val="accent6">
+                  <a:lumMod val="75000"/>
+                </a:schemeClr>
+              </a:buClr>
+              <a:buFont typeface="Arial" panose="020B0604020202020204" pitchFamily="34" charset="0"/>
+              <a:buChar char="•"/>
+            </a:pPr>
+            <a:r>
+              <a:rPr lang="en-US" dirty="0"/>
+              <a:t>Team Coding</a:t>
+            </a:r>
+          </a:p>
+          <a:p>
+            <a:pPr marL="342900" indent="-342900" algn="l">
+              <a:buClr>
+                <a:schemeClr val="accent6">
+                  <a:lumMod val="75000"/>
+                </a:schemeClr>
+              </a:buClr>
+              <a:buFont typeface="Arial" panose="020B0604020202020204" pitchFamily="34" charset="0"/>
+              <a:buChar char="•"/>
+            </a:pPr>
+            <a:r>
+              <a:rPr lang="en-US" dirty="0"/>
+              <a:t>Have a functional product</a:t>
+            </a:r>
+          </a:p>
+          <a:p>
+            <a:pPr marL="342900" indent="-342900" algn="l">
+              <a:buClr>
+                <a:schemeClr val="accent6">
+                  <a:lumMod val="75000"/>
+                </a:schemeClr>
+              </a:buClr>
+              <a:buFont typeface="Arial" panose="020B0604020202020204" pitchFamily="34" charset="0"/>
+              <a:buChar char="•"/>
+            </a:pPr>
+            <a:r>
+              <a:rPr lang="en-US" dirty="0"/>
+              <a:t>Didn’t get (too) behind</a:t>
+            </a:r>
+          </a:p>
+          <a:p>
+            <a:pPr marL="342900" indent="-342900" algn="l">
+              <a:buClr>
+                <a:schemeClr val="accent6">
+                  <a:lumMod val="75000"/>
+                </a:schemeClr>
+              </a:buClr>
+              <a:buFont typeface="Arial" panose="020B0604020202020204" pitchFamily="34" charset="0"/>
+              <a:buChar char="•"/>
+            </a:pPr>
+            <a:endParaRPr lang="en-US" dirty="0"/>
+          </a:p>
+        </p:txBody>
+      </p:sp>
+    </p:spTree>
+    <p:extLst>
+      <p:ext uri="{BB962C8B-B14F-4D97-AF65-F5344CB8AC3E}">
+        <p14:creationId xmlns:p14="http://schemas.microsoft.com/office/powerpoint/2010/main" val="1933817246"/>
+      </p:ext>
+    </p:extLst>
+  </p:cSld>
+  <p:clrMapOvr>
+    <a:masterClrMapping/>
+  </p:clrMapOvr>
+</p:sld>
+</file>
+
+<file path=ppt/slides/slide11.xml><?xml version="1.0" encoding="utf-8"?>
+<p:sld xmlns:a="http://schemas.openxmlformats.org/drawingml/2006/main" xmlns:r="http://schemas.openxmlformats.org/officeDocument/2006/relationships" xmlns:p="http://schemas.openxmlformats.org/presentationml/2006/main">
+  <p:cSld>
+    <p:spTree>
+      <p:nvGrpSpPr>
+        <p:cNvPr id="1" name=""/>
+        <p:cNvGrpSpPr/>
+        <p:nvPr/>
+      </p:nvGrpSpPr>
+      <p:grpSpPr>
+        <a:xfrm>
+          <a:off x="0" y="0"/>
+          <a:ext cx="0" cy="0"/>
+          <a:chOff x="0" y="0"/>
+          <a:chExt cx="0" cy="0"/>
+        </a:xfrm>
+      </p:grpSpPr>
+      <p:sp>
+        <p:nvSpPr>
+          <p:cNvPr id="2" name="Title 1">
+            <a:extLst>
+              <a:ext uri="{FF2B5EF4-FFF2-40B4-BE49-F238E27FC236}">
+                <a16:creationId xmlns:a16="http://schemas.microsoft.com/office/drawing/2014/main" id="{88C029FE-F040-47A3-AC9F-223C114C4FAD}"/>
+              </a:ext>
+            </a:extLst>
+          </p:cNvPr>
+          <p:cNvSpPr>
+            <a:spLocks noGrp="1"/>
+          </p:cNvSpPr>
+          <p:nvPr>
+            <p:ph type="ctrTitle"/>
+          </p:nvPr>
+        </p:nvSpPr>
+        <p:spPr>
+          <a:xfrm>
+            <a:off x="1689847" y="248662"/>
+            <a:ext cx="8991600" cy="1645920"/>
+          </a:xfrm>
+        </p:spPr>
+        <p:txBody>
+          <a:bodyPr/>
+          <a:lstStyle/>
+          <a:p>
+            <a:r>
+              <a:rPr lang="en-US" dirty="0"/>
+              <a:t>What we could have </a:t>
+            </a:r>
+            <a:br>
+              <a:rPr lang="en-US" dirty="0"/>
+            </a:br>
+            <a:r>
+              <a:rPr lang="en-US" dirty="0"/>
+              <a:t>done better as a team</a:t>
+            </a:r>
+          </a:p>
+        </p:txBody>
+      </p:sp>
+      <p:sp>
+        <p:nvSpPr>
+          <p:cNvPr id="3" name="Subtitle 2">
+            <a:extLst>
+              <a:ext uri="{FF2B5EF4-FFF2-40B4-BE49-F238E27FC236}">
+                <a16:creationId xmlns:a16="http://schemas.microsoft.com/office/drawing/2014/main" id="{06A92E13-9D8E-4BF0-AB5B-088378DBF9D6}"/>
+              </a:ext>
+            </a:extLst>
+          </p:cNvPr>
+          <p:cNvSpPr>
+            <a:spLocks noGrp="1"/>
+          </p:cNvSpPr>
+          <p:nvPr>
+            <p:ph type="subTitle" idx="1"/>
+          </p:nvPr>
+        </p:nvSpPr>
+        <p:spPr>
+          <a:xfrm>
+            <a:off x="1689847" y="2084295"/>
+            <a:ext cx="9027459" cy="3508144"/>
+          </a:xfrm>
+        </p:spPr>
+        <p:txBody>
+          <a:bodyPr>
+            <a:normAutofit/>
+          </a:bodyPr>
+          <a:lstStyle/>
+          <a:p>
+            <a:pPr marL="342900" indent="-342900" algn="l">
+              <a:buClr>
+                <a:schemeClr val="accent6">
+                  <a:lumMod val="75000"/>
+                </a:schemeClr>
+              </a:buClr>
+              <a:buFont typeface="Arial" panose="020B0604020202020204" pitchFamily="34" charset="0"/>
+              <a:buChar char="•"/>
+            </a:pPr>
+            <a:r>
+              <a:rPr lang="en-US" dirty="0"/>
+              <a:t>Should have gotten a lot more code completed during Sprint 2 than we did.</a:t>
+            </a:r>
+          </a:p>
+          <a:p>
+            <a:pPr marL="342900" indent="-342900" algn="l">
+              <a:buClr>
+                <a:schemeClr val="accent6">
+                  <a:lumMod val="75000"/>
+                </a:schemeClr>
+              </a:buClr>
+              <a:buFont typeface="Arial" panose="020B0604020202020204" pitchFamily="34" charset="0"/>
+              <a:buChar char="•"/>
+            </a:pPr>
+            <a:r>
+              <a:rPr lang="en-US" dirty="0"/>
+              <a:t>Better game plan to take care of all functional requirements</a:t>
+            </a:r>
+          </a:p>
+          <a:p>
+            <a:pPr marL="342900" indent="-342900" algn="l">
+              <a:buClr>
+                <a:schemeClr val="accent6">
+                  <a:lumMod val="75000"/>
+                </a:schemeClr>
+              </a:buClr>
+              <a:buFont typeface="Arial" panose="020B0604020202020204" pitchFamily="34" charset="0"/>
+              <a:buChar char="•"/>
+            </a:pPr>
+            <a:r>
+              <a:rPr lang="en-US" dirty="0"/>
+              <a:t>Making sure things aren’t getting completed last minute</a:t>
+            </a:r>
+          </a:p>
+          <a:p>
+            <a:pPr marL="342900" indent="-342900" algn="l">
+              <a:buClr>
+                <a:schemeClr val="accent6">
+                  <a:lumMod val="75000"/>
+                </a:schemeClr>
+              </a:buClr>
+              <a:buFont typeface="Arial" panose="020B0604020202020204" pitchFamily="34" charset="0"/>
+              <a:buChar char="•"/>
+            </a:pPr>
+            <a:r>
+              <a:rPr lang="en-US" dirty="0"/>
+              <a:t>Time management</a:t>
+            </a:r>
+          </a:p>
+          <a:p>
+            <a:pPr marL="342900" indent="-342900" algn="l">
+              <a:buClr>
+                <a:schemeClr val="accent6">
+                  <a:lumMod val="75000"/>
+                </a:schemeClr>
+              </a:buClr>
+              <a:buFont typeface="Arial" panose="020B0604020202020204" pitchFamily="34" charset="0"/>
+              <a:buChar char="•"/>
+            </a:pPr>
+            <a:endParaRPr lang="en-US" dirty="0"/>
+          </a:p>
+        </p:txBody>
+      </p:sp>
+    </p:spTree>
+    <p:extLst>
+      <p:ext uri="{BB962C8B-B14F-4D97-AF65-F5344CB8AC3E}">
+        <p14:creationId xmlns:p14="http://schemas.microsoft.com/office/powerpoint/2010/main" val="3501407803"/>
+      </p:ext>
+    </p:extLst>
+  </p:cSld>
+  <p:clrMapOvr>
+    <a:masterClrMapping/>
+  </p:clrMapOvr>
+</p:sld>
+</file>
+
+<file path=ppt/slides/slide12.xml><?xml version="1.0" encoding="utf-8"?>
+<p:sld xmlns:a="http://schemas.openxmlformats.org/drawingml/2006/main" xmlns:r="http://schemas.openxmlformats.org/officeDocument/2006/relationships" xmlns:p="http://schemas.openxmlformats.org/presentationml/2006/main">
+  <p:cSld>
+    <p:spTree>
+      <p:nvGrpSpPr>
+        <p:cNvPr id="1" name=""/>
+        <p:cNvGrpSpPr/>
+        <p:nvPr/>
+      </p:nvGrpSpPr>
+      <p:grpSpPr>
+        <a:xfrm>
+          <a:off x="0" y="0"/>
+          <a:ext cx="0" cy="0"/>
+          <a:chOff x="0" y="0"/>
+          <a:chExt cx="0" cy="0"/>
+        </a:xfrm>
+      </p:grpSpPr>
+      <p:sp>
+        <p:nvSpPr>
+          <p:cNvPr id="2" name="Title 1">
+            <a:extLst>
+              <a:ext uri="{FF2B5EF4-FFF2-40B4-BE49-F238E27FC236}">
+                <a16:creationId xmlns:a16="http://schemas.microsoft.com/office/drawing/2014/main" id="{88C029FE-F040-47A3-AC9F-223C114C4FAD}"/>
+              </a:ext>
+            </a:extLst>
+          </p:cNvPr>
+          <p:cNvSpPr>
+            <a:spLocks noGrp="1"/>
+          </p:cNvSpPr>
+          <p:nvPr>
+            <p:ph type="ctrTitle"/>
+          </p:nvPr>
+        </p:nvSpPr>
+        <p:spPr>
+          <a:xfrm>
+            <a:off x="1689847" y="248662"/>
+            <a:ext cx="8991600" cy="1645920"/>
+          </a:xfrm>
+        </p:spPr>
+        <p:txBody>
+          <a:bodyPr/>
+          <a:lstStyle/>
+          <a:p>
+            <a:r>
+              <a:rPr lang="en-US" dirty="0"/>
+              <a:t>What we have learned from this course</a:t>
+            </a:r>
+          </a:p>
+        </p:txBody>
+      </p:sp>
+      <p:sp>
+        <p:nvSpPr>
+          <p:cNvPr id="3" name="Subtitle 2">
+            <a:extLst>
+              <a:ext uri="{FF2B5EF4-FFF2-40B4-BE49-F238E27FC236}">
+                <a16:creationId xmlns:a16="http://schemas.microsoft.com/office/drawing/2014/main" id="{06A92E13-9D8E-4BF0-AB5B-088378DBF9D6}"/>
+              </a:ext>
+            </a:extLst>
+          </p:cNvPr>
+          <p:cNvSpPr>
+            <a:spLocks noGrp="1"/>
+          </p:cNvSpPr>
+          <p:nvPr>
+            <p:ph type="subTitle" idx="1"/>
+          </p:nvPr>
+        </p:nvSpPr>
+        <p:spPr>
+          <a:xfrm>
+            <a:off x="1689847" y="2084295"/>
+            <a:ext cx="9027459" cy="3508144"/>
+          </a:xfrm>
+        </p:spPr>
+        <p:txBody>
+          <a:bodyPr>
+            <a:normAutofit/>
+          </a:bodyPr>
+          <a:lstStyle/>
+          <a:p>
+            <a:pPr marL="342900" indent="-342900" algn="l">
+              <a:buClr>
+                <a:schemeClr val="accent6">
+                  <a:lumMod val="75000"/>
+                </a:schemeClr>
+              </a:buClr>
+              <a:buFont typeface="Arial" panose="020B0604020202020204" pitchFamily="34" charset="0"/>
+              <a:buChar char="•"/>
+            </a:pPr>
+            <a:r>
+              <a:rPr lang="en-US" dirty="0"/>
+              <a:t>The more communication between the team, the better.</a:t>
+            </a:r>
+          </a:p>
+          <a:p>
+            <a:pPr marL="342900" indent="-342900" algn="l">
+              <a:buClr>
+                <a:schemeClr val="accent6">
+                  <a:lumMod val="75000"/>
+                </a:schemeClr>
+              </a:buClr>
+              <a:buFont typeface="Arial" panose="020B0604020202020204" pitchFamily="34" charset="0"/>
+              <a:buChar char="•"/>
+            </a:pPr>
+            <a:r>
+              <a:rPr lang="en-US" dirty="0"/>
+              <a:t>The earlier things get completed, the better.</a:t>
+            </a:r>
+          </a:p>
+          <a:p>
+            <a:pPr marL="342900" indent="-342900" algn="l">
+              <a:buClr>
+                <a:schemeClr val="accent6">
+                  <a:lumMod val="75000"/>
+                </a:schemeClr>
+              </a:buClr>
+              <a:buFont typeface="Arial" panose="020B0604020202020204" pitchFamily="34" charset="0"/>
+              <a:buChar char="•"/>
+            </a:pPr>
+            <a:r>
+              <a:rPr lang="en-US" dirty="0"/>
+              <a:t>Procrastination is not your friend.</a:t>
+            </a:r>
+          </a:p>
+        </p:txBody>
+      </p:sp>
+    </p:spTree>
+    <p:extLst>
+      <p:ext uri="{BB962C8B-B14F-4D97-AF65-F5344CB8AC3E}">
+        <p14:creationId xmlns:p14="http://schemas.microsoft.com/office/powerpoint/2010/main" val="2338349132"/>
+      </p:ext>
+    </p:extLst>
+  </p:cSld>
+  <p:clrMapOvr>
+    <a:masterClrMapping/>
+  </p:clrMapOvr>
+</p:sld>
+</file>
+
 <file path=ppt/slides/slide2.xml><?xml version="1.0" encoding="utf-8"?>
 <p:sld xmlns:a="http://schemas.openxmlformats.org/drawingml/2006/main" xmlns:r="http://schemas.openxmlformats.org/officeDocument/2006/relationships" xmlns:p="http://schemas.openxmlformats.org/presentationml/2006/main">
   <p:cSld>
@@ -3557,6 +4067,21 @@
             <a:r>
               <a:rPr lang="en-US" dirty="0"/>
               <a:t>Brushed up on our documents and diagrams</a:t>
+            </a:r>
+          </a:p>
+          <a:p>
+            <a:pPr marL="342900" indent="-342900" algn="l">
+              <a:buClr>
+                <a:schemeClr val="accent6">
+                  <a:lumMod val="75000"/>
+                </a:schemeClr>
+              </a:buClr>
+              <a:buFont typeface="Arial" panose="020B0604020202020204" pitchFamily="34" charset="0"/>
+              <a:buChar char="•"/>
+            </a:pPr>
+            <a:r>
+              <a:rPr lang="en-US" dirty="0"/>
+              <a:t>Reduced Inefficient Code</a:t>
             </a:r>
           </a:p>
         </p:txBody>
@@ -3619,7 +4144,7 @@
           <a:p>
             <a:r>
               <a:rPr lang="en-US" dirty="0"/>
-              <a:t>The final product</a:t>
+              <a:t>C# and Xamarin Forms</a:t>
             </a:r>
           </a:p>
         </p:txBody>
@@ -3661,7 +4186,55 @@
               <a:buFont typeface="Arial" panose="020B0604020202020204" pitchFamily="34" charset="0"/>
               <a:buChar char="•"/>
             </a:pPr>
-            <a:endParaRPr lang="en-US" dirty="0"/>
+            <a:r>
+              <a:rPr lang="en-US" dirty="0"/>
+              <a:t>Not your average .NET project.</a:t>
+            </a:r>
+          </a:p>
+          <a:p>
+            <a:pPr marL="342900" indent="-342900" algn="l">
+              <a:buClr>
+                <a:schemeClr val="accent6">
+                  <a:lumMod val="75000"/>
+                </a:schemeClr>
+              </a:buClr>
+              <a:buFont typeface="Arial" panose="020B0604020202020204" pitchFamily="34" charset="0"/>
+              <a:buChar char="•"/>
+            </a:pPr>
+            <a:r>
+              <a:rPr lang="en-US" dirty="0"/>
+              <a:t>Plug-ins necessary to do many normal tasks.</a:t>
+            </a:r>
+          </a:p>
+          <a:p>
+            <a:pPr marL="800100" lvl="1" indent="-342900" algn="l">
+              <a:buClr>
+                <a:schemeClr val="accent6">
+                  <a:lumMod val="75000"/>
+                </a:schemeClr>
+              </a:buClr>
+              <a:buFont typeface="Arial" panose="020B0604020202020204" pitchFamily="34" charset="0"/>
+              <a:buChar char="•"/>
+            </a:pPr>
+            <a:r>
+              <a:rPr lang="en-US" dirty="0"/>
+              <a:t>System specific tasks such as timers</a:t>
+            </a:r>
+          </a:p>
+          <a:p>
+            <a:pPr marL="342900" indent="-342900" algn="l">
+              <a:buClr>
+                <a:schemeClr val="accent6">
+                  <a:lumMod val="75000"/>
+                </a:schemeClr>
+              </a:buClr>
+              <a:buFont typeface="Arial" panose="020B0604020202020204" pitchFamily="34" charset="0"/>
+              <a:buChar char="•"/>
+            </a:pPr>
+            <a:r>
+              <a:rPr lang="en-US" dirty="0"/>
+              <a:t>Large number of additional libraries to support mobile development.</a:t>
+            </a:r>
           </a:p>
         </p:txBody>
       </p:sp>
@@ -3718,14 +4291,12 @@
           </a:xfrm>
         </p:spPr>
         <p:txBody>
-          <a:bodyPr>
-            <a:normAutofit fontScale="90000"/>
-          </a:bodyPr>
+          <a:bodyPr/>
           <a:lstStyle/>
           <a:p>
             <a:r>
               <a:rPr lang="en-US" dirty="0"/>
-              <a:t>Improvements from Last semester (Software engineering)</a:t>
+              <a:t>Tuning</a:t>
             </a:r>
           </a:p>
         </p:txBody>
@@ -3769,7 +4340,7 @@
             </a:pPr>
             <a:r>
               <a:rPr lang="en-US" dirty="0"/>
-              <a:t>Prioritized documentation more-so </a:t>
+              <a:t>Brain Tuning</a:t>
             </a:r>
           </a:p>
           <a:p>
@@ -3784,7 +4355,7 @@
             </a:pPr>
             <a:r>
               <a:rPr lang="en-US" dirty="0"/>
-              <a:t>Constant communication throughout the semester</a:t>
+              <a:t>Push button system</a:t>
             </a:r>
           </a:p>
           <a:p>
@@ -3799,7 +4370,7 @@
             </a:pPr>
             <a:r>
               <a:rPr lang="en-US" dirty="0"/>
-              <a:t>Have a functional product</a:t>
+              <a:t>Stop button for convenience</a:t>
             </a:r>
           </a:p>
           <a:p>
@@ -3814,27 +4385,15 @@
             </a:pPr>
             <a:r>
               <a:rPr lang="en-US" dirty="0"/>
-              <a:t>Didn’t get (too) behind</a:t>
-            </a:r>
-          </a:p>
-          <a:p>
-            <a:pPr marL="342900" indent="-342900" algn="l">
-              <a:buClr>
-                <a:schemeClr val="accent6">
-                  <a:lumMod val="75000"/>
-                </a:schemeClr>
-              </a:buClr>
-              <a:buFont typeface="Arial" panose="020B0604020202020204" pitchFamily="34" charset="0"/>
-              <a:buChar char="•"/>
-            </a:pPr>
-            <a:endParaRPr lang="en-US" dirty="0"/>
+              <a:t>Only one sound at a time</a:t>
+            </a:r>
           </a:p>
         </p:txBody>
       </p:sp>
     </p:spTree>
     <p:extLst>
       <p:ext uri="{BB962C8B-B14F-4D97-AF65-F5344CB8AC3E}">
-        <p14:creationId xmlns:p14="http://schemas.microsoft.com/office/powerpoint/2010/main" val="1933817246"/>
+        <p14:creationId xmlns:p14="http://schemas.microsoft.com/office/powerpoint/2010/main" val="1166270338"/>
       </p:ext>
     </p:extLst>
   </p:cSld>
@@ -3889,14 +4448,7 @@
           <a:p>
             <a:r>
               <a:rPr lang="en-US" dirty="0"/>
-              <a:t>What we could have </a:t>
-            </a:r>
-            <a:br>
-              <a:rPr lang="en-US" dirty="0"/>
-            </a:br>
-            <a:r>
-              <a:rPr lang="en-US" dirty="0"/>
-              <a:t>done better as a team</a:t>
+              <a:t>Tuning UI</a:t>
             </a:r>
           </a:p>
         </p:txBody>
@@ -3928,66 +4480,6 @@
             <a:normAutofit/>
           </a:bodyPr>
           <a:lstStyle/>
-          <a:p>
-            <a:pPr marL="342900" indent="-342900" algn="l">
-              <a:buClr>
-                <a:schemeClr val="accent6">
-                  <a:lumMod val="75000"/>
-                </a:schemeClr>
-              </a:buClr>
-              <a:buFont typeface="Arial" panose="020B0604020202020204" pitchFamily="34" charset="0"/>
-              <a:buChar char="•"/>
-            </a:pPr>
-            <a:r>
-              <a:rPr lang="en-US" dirty="0"/>
-              <a:t>Should have gotten a lot more code completed during Sprint 2 than we did.</a:t>
-            </a:r>
-          </a:p>
-          <a:p>
-            <a:pPr marL="342900" indent="-342900" algn="l">
-              <a:buClr>
-                <a:schemeClr val="accent6">
-                  <a:lumMod val="75000"/>
-                </a:schemeClr>
-              </a:buClr>
-              <a:buFont typeface="Arial" panose="020B0604020202020204" pitchFamily="34" charset="0"/>
-              <a:buChar char="•"/>
-            </a:pPr>
-            <a:r>
-              <a:rPr lang="en-US" dirty="0"/>
-              <a:t>Better game plan to take care of all functional requirements</a:t>
-            </a:r>
-          </a:p>
-          <a:p>
-            <a:pPr marL="342900" indent="-342900" algn="l">
-              <a:buClr>
-                <a:schemeClr val="accent6">
-                  <a:lumMod val="75000"/>
-                </a:schemeClr>
-              </a:buClr>
-              <a:buFont typeface="Arial" panose="020B0604020202020204" pitchFamily="34" charset="0"/>
-              <a:buChar char="•"/>
-            </a:pPr>
-            <a:r>
-              <a:rPr lang="en-US" dirty="0"/>
-              <a:t>Making sure things aren’t getting completed last minute</a:t>
-            </a:r>
-          </a:p>
-          <a:p>
-            <a:pPr marL="342900" indent="-342900" algn="l">
-              <a:buClr>
-                <a:schemeClr val="accent6">
-                  <a:lumMod val="75000"/>
-                </a:schemeClr>
-              </a:buClr>
-              <a:buFont typeface="Arial" panose="020B0604020202020204" pitchFamily="34" charset="0"/>
-              <a:buChar char="•"/>
-            </a:pPr>
-            <a:r>
-              <a:rPr lang="en-US" dirty="0"/>
-              <a:t>Time management</a:t>
-            </a:r>
-          </a:p>
           <a:p>
             <a:pPr marL="342900" indent="-342900" algn="l">
               <a:buClr>
@@ -4005,7 +4497,7 @@
     </p:spTree>
     <p:extLst>
       <p:ext uri="{BB962C8B-B14F-4D97-AF65-F5344CB8AC3E}">
-        <p14:creationId xmlns:p14="http://schemas.microsoft.com/office/powerpoint/2010/main" val="3501407803"/>
+        <p14:creationId xmlns:p14="http://schemas.microsoft.com/office/powerpoint/2010/main" val="1710573067"/>
       </p:ext>
     </p:extLst>
   </p:cSld>
@@ -4060,7 +4552,7 @@
           <a:p>
             <a:r>
               <a:rPr lang="en-US" dirty="0"/>
-              <a:t>What we have learned from this course</a:t>
+              <a:t>Scales</a:t>
             </a:r>
           </a:p>
         </p:txBody>
@@ -4102,11 +4594,100 @@
               <a:buFont typeface="Arial" panose="020B0604020202020204" pitchFamily="34" charset="0"/>
               <a:buChar char="•"/>
             </a:pPr>
+            <a:endParaRPr lang="en-US" dirty="0"/>
+          </a:p>
+        </p:txBody>
+      </p:sp>
+    </p:spTree>
+    <p:extLst>
+      <p:ext uri="{BB962C8B-B14F-4D97-AF65-F5344CB8AC3E}">
+        <p14:creationId xmlns:p14="http://schemas.microsoft.com/office/powerpoint/2010/main" val="3832689723"/>
+      </p:ext>
+    </p:extLst>
+  </p:cSld>
+  <p:clrMapOvr>
+    <a:masterClrMapping/>
+  </p:clrMapOvr>
+</p:sld>
+</file>
+
+<file path=ppt/slides/slide7.xml><?xml version="1.0" encoding="utf-8"?>
+<p:sld xmlns:a="http://schemas.openxmlformats.org/drawingml/2006/main" xmlns:r="http://schemas.openxmlformats.org/officeDocument/2006/relationships" xmlns:p="http://schemas.openxmlformats.org/presentationml/2006/main">
+  <p:cSld>
+    <p:spTree>
+      <p:nvGrpSpPr>
+        <p:cNvPr id="1" name=""/>
+        <p:cNvGrpSpPr/>
+        <p:nvPr/>
+      </p:nvGrpSpPr>
+      <p:grpSpPr>
+        <a:xfrm>
+          <a:off x="0" y="0"/>
+          <a:ext cx="0" cy="0"/>
+          <a:chOff x="0" y="0"/>
+          <a:chExt cx="0" cy="0"/>
+        </a:xfrm>
+      </p:grpSpPr>
+      <p:sp>
+        <p:nvSpPr>
+          <p:cNvPr id="2" name="Title 1">
+            <a:extLst>
+              <a:ext uri="{FF2B5EF4-FFF2-40B4-BE49-F238E27FC236}">
+                <a16:creationId xmlns:a16="http://schemas.microsoft.com/office/drawing/2014/main" id="{88C029FE-F040-47A3-AC9F-223C114C4FAD}"/>
+              </a:ext>
+            </a:extLst>
+          </p:cNvPr>
+          <p:cNvSpPr>
+            <a:spLocks noGrp="1"/>
+          </p:cNvSpPr>
+          <p:nvPr>
+            <p:ph type="ctrTitle"/>
+          </p:nvPr>
+        </p:nvSpPr>
+        <p:spPr>
+          <a:xfrm>
+            <a:off x="1689847" y="248662"/>
+            <a:ext cx="8991600" cy="1645920"/>
+          </a:xfrm>
+        </p:spPr>
+        <p:txBody>
+          <a:bodyPr/>
+          <a:lstStyle/>
+          <a:p>
             <a:r>
               <a:rPr lang="en-US" dirty="0"/>
-              <a:t>The more communication between the team, the better.</a:t>
-            </a:r>
-          </a:p>
+              <a:t>Scales UI</a:t>
+            </a:r>
+          </a:p>
+        </p:txBody>
+      </p:sp>
+      <p:sp>
+        <p:nvSpPr>
+          <p:cNvPr id="3" name="Subtitle 2">
+            <a:extLst>
+              <a:ext uri="{FF2B5EF4-FFF2-40B4-BE49-F238E27FC236}">
+                <a16:creationId xmlns:a16="http://schemas.microsoft.com/office/drawing/2014/main" id="{06A92E13-9D8E-4BF0-AB5B-088378DBF9D6}"/>
+              </a:ext>
+            </a:extLst>
+          </p:cNvPr>
+          <p:cNvSpPr>
+            <a:spLocks noGrp="1"/>
+          </p:cNvSpPr>
+          <p:nvPr>
+            <p:ph type="subTitle" idx="1"/>
+          </p:nvPr>
+        </p:nvSpPr>
+        <p:spPr>
+          <a:xfrm>
+            <a:off x="1689847" y="2084295"/>
+            <a:ext cx="9027459" cy="3508144"/>
+          </a:xfrm>
+        </p:spPr>
+        <p:txBody>
+          <a:bodyPr>
+            <a:normAutofit/>
+          </a:bodyPr>
+          <a:lstStyle/>
           <a:p>
             <a:pPr marL="342900" indent="-342900" algn="l">
               <a:buClr>
@@ -4117,11 +4698,100 @@
               <a:buFont typeface="Arial" panose="020B0604020202020204" pitchFamily="34" charset="0"/>
               <a:buChar char="•"/>
             </a:pPr>
+            <a:endParaRPr lang="en-US" dirty="0"/>
+          </a:p>
+        </p:txBody>
+      </p:sp>
+    </p:spTree>
+    <p:extLst>
+      <p:ext uri="{BB962C8B-B14F-4D97-AF65-F5344CB8AC3E}">
+        <p14:creationId xmlns:p14="http://schemas.microsoft.com/office/powerpoint/2010/main" val="1031379711"/>
+      </p:ext>
+    </p:extLst>
+  </p:cSld>
+  <p:clrMapOvr>
+    <a:masterClrMapping/>
+  </p:clrMapOvr>
+</p:sld>
+</file>
+
+<file path=ppt/slides/slide8.xml><?xml version="1.0" encoding="utf-8"?>
+<p:sld xmlns:a="http://schemas.openxmlformats.org/drawingml/2006/main" xmlns:r="http://schemas.openxmlformats.org/officeDocument/2006/relationships" xmlns:p="http://schemas.openxmlformats.org/presentationml/2006/main">
+  <p:cSld>
+    <p:spTree>
+      <p:nvGrpSpPr>
+        <p:cNvPr id="1" name=""/>
+        <p:cNvGrpSpPr/>
+        <p:nvPr/>
+      </p:nvGrpSpPr>
+      <p:grpSpPr>
+        <a:xfrm>
+          <a:off x="0" y="0"/>
+          <a:ext cx="0" cy="0"/>
+          <a:chOff x="0" y="0"/>
+          <a:chExt cx="0" cy="0"/>
+        </a:xfrm>
+      </p:grpSpPr>
+      <p:sp>
+        <p:nvSpPr>
+          <p:cNvPr id="2" name="Title 1">
+            <a:extLst>
+              <a:ext uri="{FF2B5EF4-FFF2-40B4-BE49-F238E27FC236}">
+                <a16:creationId xmlns:a16="http://schemas.microsoft.com/office/drawing/2014/main" id="{88C029FE-F040-47A3-AC9F-223C114C4FAD}"/>
+              </a:ext>
+            </a:extLst>
+          </p:cNvPr>
+          <p:cNvSpPr>
+            <a:spLocks noGrp="1"/>
+          </p:cNvSpPr>
+          <p:nvPr>
+            <p:ph type="ctrTitle"/>
+          </p:nvPr>
+        </p:nvSpPr>
+        <p:spPr>
+          <a:xfrm>
+            <a:off x="1689847" y="248662"/>
+            <a:ext cx="8991600" cy="1645920"/>
+          </a:xfrm>
+        </p:spPr>
+        <p:txBody>
+          <a:bodyPr/>
+          <a:lstStyle/>
+          <a:p>
             <a:r>
               <a:rPr lang="en-US" dirty="0"/>
-              <a:t>The earlier things get completed, the better.</a:t>
-            </a:r>
-          </a:p>
+              <a:t>Metronome</a:t>
+            </a:r>
+          </a:p>
+        </p:txBody>
+      </p:sp>
+      <p:sp>
+        <p:nvSpPr>
+          <p:cNvPr id="3" name="Subtitle 2">
+            <a:extLst>
+              <a:ext uri="{FF2B5EF4-FFF2-40B4-BE49-F238E27FC236}">
+                <a16:creationId xmlns:a16="http://schemas.microsoft.com/office/drawing/2014/main" id="{06A92E13-9D8E-4BF0-AB5B-088378DBF9D6}"/>
+              </a:ext>
+            </a:extLst>
+          </p:cNvPr>
+          <p:cNvSpPr>
+            <a:spLocks noGrp="1"/>
+          </p:cNvSpPr>
+          <p:nvPr>
+            <p:ph type="subTitle" idx="1"/>
+          </p:nvPr>
+        </p:nvSpPr>
+        <p:spPr>
+          <a:xfrm>
+            <a:off x="1689847" y="2084295"/>
+            <a:ext cx="9027459" cy="3508144"/>
+          </a:xfrm>
+        </p:spPr>
+        <p:txBody>
+          <a:bodyPr>
+            <a:normAutofit/>
+          </a:bodyPr>
+          <a:lstStyle/>
           <a:p>
             <a:pPr marL="342900" indent="-342900" algn="l">
               <a:buClr>
@@ -4132,17 +4802,118 @@
               <a:buFont typeface="Arial" panose="020B0604020202020204" pitchFamily="34" charset="0"/>
               <a:buChar char="•"/>
             </a:pPr>
-            <a:r>
-              <a:rPr lang="en-US" dirty="0"/>
-              <a:t>Procrastination is not your friend.</a:t>
-            </a:r>
+            <a:endParaRPr lang="en-US" dirty="0"/>
           </a:p>
         </p:txBody>
       </p:sp>
     </p:spTree>
     <p:extLst>
       <p:ext uri="{BB962C8B-B14F-4D97-AF65-F5344CB8AC3E}">
-        <p14:creationId xmlns:p14="http://schemas.microsoft.com/office/powerpoint/2010/main" val="2338349132"/>
+        <p14:creationId xmlns:p14="http://schemas.microsoft.com/office/powerpoint/2010/main" val="2987832272"/>
+      </p:ext>
+    </p:extLst>
+  </p:cSld>
+  <p:clrMapOvr>
+    <a:masterClrMapping/>
+  </p:clrMapOvr>
+</p:sld>
+</file>
+
+<file path=ppt/slides/slide9.xml><?xml version="1.0" encoding="utf-8"?>
+<p:sld xmlns:a="http://schemas.openxmlformats.org/drawingml/2006/main" xmlns:r="http://schemas.openxmlformats.org/officeDocument/2006/relationships" xmlns:p="http://schemas.openxmlformats.org/presentationml/2006/main">
+  <p:cSld>
+    <p:spTree>
+      <p:nvGrpSpPr>
+        <p:cNvPr id="1" name=""/>
+        <p:cNvGrpSpPr/>
+        <p:nvPr/>
+      </p:nvGrpSpPr>
+      <p:grpSpPr>
+        <a:xfrm>
+          <a:off x="0" y="0"/>
+          <a:ext cx="0" cy="0"/>
+          <a:chOff x="0" y="0"/>
+          <a:chExt cx="0" cy="0"/>
+        </a:xfrm>
+      </p:grpSpPr>
+      <p:sp>
+        <p:nvSpPr>
+          <p:cNvPr id="2" name="Title 1">
+            <a:extLst>
+              <a:ext uri="{FF2B5EF4-FFF2-40B4-BE49-F238E27FC236}">
+                <a16:creationId xmlns:a16="http://schemas.microsoft.com/office/drawing/2014/main" id="{88C029FE-F040-47A3-AC9F-223C114C4FAD}"/>
+              </a:ext>
+            </a:extLst>
+          </p:cNvPr>
+          <p:cNvSpPr>
+            <a:spLocks noGrp="1"/>
+          </p:cNvSpPr>
+          <p:nvPr>
+            <p:ph type="ctrTitle"/>
+          </p:nvPr>
+        </p:nvSpPr>
+        <p:spPr>
+          <a:xfrm>
+            <a:off x="1689847" y="248662"/>
+            <a:ext cx="8991600" cy="1645920"/>
+          </a:xfrm>
+        </p:spPr>
+        <p:txBody>
+          <a:bodyPr/>
+          <a:lstStyle/>
+          <a:p>
+            <a:r>
+              <a:rPr lang="en-US" dirty="0"/>
+              <a:t>Metronome UI</a:t>
+            </a:r>
+          </a:p>
+        </p:txBody>
+      </p:sp>
+      <p:sp>
+        <p:nvSpPr>
+          <p:cNvPr id="3" name="Subtitle 2">
+            <a:extLst>
+              <a:ext uri="{FF2B5EF4-FFF2-40B4-BE49-F238E27FC236}">
+                <a16:creationId xmlns:a16="http://schemas.microsoft.com/office/drawing/2014/main" id="{06A92E13-9D8E-4BF0-AB5B-088378DBF9D6}"/>
+              </a:ext>
+            </a:extLst>
+          </p:cNvPr>
+          <p:cNvSpPr>
+            <a:spLocks noGrp="1"/>
+          </p:cNvSpPr>
+          <p:nvPr>
+            <p:ph type="subTitle" idx="1"/>
+          </p:nvPr>
+        </p:nvSpPr>
+        <p:spPr>
+          <a:xfrm>
+            <a:off x="1689847" y="2084295"/>
+            <a:ext cx="9027459" cy="3508144"/>
+          </a:xfrm>
+        </p:spPr>
+        <p:txBody>
+          <a:bodyPr>
+            <a:normAutofit/>
+          </a:bodyPr>
+          <a:lstStyle/>
+          <a:p>
+            <a:pPr marL="342900" indent="-342900" algn="l">
+              <a:buClr>
+                <a:schemeClr val="accent6">
+                  <a:lumMod val="75000"/>
+                </a:schemeClr>
+              </a:buClr>
+              <a:buFont typeface="Arial" panose="020B0604020202020204" pitchFamily="34" charset="0"/>
+              <a:buChar char="•"/>
+            </a:pPr>
+            <a:endParaRPr lang="en-US" dirty="0"/>
+          </a:p>
+        </p:txBody>
+      </p:sp>
+    </p:spTree>
+    <p:extLst>
+      <p:ext uri="{BB962C8B-B14F-4D97-AF65-F5344CB8AC3E}">
+        <p14:creationId xmlns:p14="http://schemas.microsoft.com/office/powerpoint/2010/main" val="1964615263"/>
       </p:ext>
     </p:extLst>
   </p:cSld>
